--- a/WebScanPro Final PPT.pptx
+++ b/WebScanPro Final PPT.pptx
@@ -4964,7 +4964,7 @@
         <p:spPr>
           <a:xfrm>
             <a:off x="477350" y="3170625"/>
-            <a:ext cx="13042800" cy="708900"/>
+            <a:ext cx="13776000" cy="708900"/>
           </a:xfrm>
           <a:prstGeom prst="rect">
             <a:avLst/>
@@ -4998,7 +4998,7 @@
               <a:buNone/>
             </a:pPr>
             <a:r>
-              <a:rPr b="0" i="0" lang="en-US" sz="4450" u="none" cap="none" strike="noStrike">
+              <a:rPr b="0" i="0" lang="en-US" sz="4350" u="none" cap="none" strike="noStrike">
                 <a:solidFill>
                   <a:srgbClr val="272D45"/>
                 </a:solidFill>
@@ -5010,7 +5010,7 @@
               <a:t>WebScanPro: AI-Powered Vulnerability</a:t>
             </a:r>
             <a:r>
-              <a:rPr lang="en-US" sz="4450">
+              <a:rPr lang="en-US" sz="4350">
                 <a:solidFill>
                   <a:srgbClr val="272D45"/>
                 </a:solidFill>
@@ -5022,7 +5022,7 @@
               <a:t> </a:t>
             </a:r>
             <a:r>
-              <a:rPr b="0" i="0" lang="en-US" sz="4450" u="none" cap="none" strike="noStrike">
+              <a:rPr b="0" i="0" lang="en-US" sz="4350" u="none" cap="none" strike="noStrike">
                 <a:solidFill>
                   <a:srgbClr val="272D45"/>
                 </a:solidFill>
@@ -5033,7 +5033,7 @@
               </a:rPr>
               <a:t>Assessment</a:t>
             </a:r>
-            <a:endParaRPr b="0" i="0" sz="4450" u="none" cap="none" strike="noStrike"/>
+            <a:endParaRPr b="0" i="0" sz="4350" u="none" cap="none" strike="noStrike"/>
           </a:p>
         </p:txBody>
       </p:sp>
@@ -6631,8 +6631,8 @@
         </p:nvSpPr>
         <p:spPr>
           <a:xfrm>
-            <a:off x="8064937" y="2734687"/>
-            <a:ext cx="75605" cy="75605"/>
+            <a:off x="8064937" y="2896432"/>
+            <a:ext cx="75600" cy="75600"/>
           </a:xfrm>
           <a:prstGeom prst="roundRect">
             <a:avLst>
@@ -6676,8 +6676,8 @@
         </p:nvSpPr>
         <p:spPr>
           <a:xfrm>
-            <a:off x="8291751" y="2654379"/>
-            <a:ext cx="1891427" cy="236458"/>
+            <a:off x="8291751" y="2816124"/>
+            <a:ext cx="1891500" cy="236400"/>
           </a:xfrm>
           <a:prstGeom prst="rect">
             <a:avLst/>
@@ -6734,8 +6734,8 @@
         </p:nvSpPr>
         <p:spPr>
           <a:xfrm>
-            <a:off x="8291751" y="3042047"/>
-            <a:ext cx="5816560" cy="242054"/>
+            <a:off x="8291751" y="3203792"/>
+            <a:ext cx="5816700" cy="242100"/>
           </a:xfrm>
           <a:prstGeom prst="rect">
             <a:avLst/>
@@ -9084,8 +9084,8 @@
         </p:nvSpPr>
         <p:spPr>
           <a:xfrm>
-            <a:off x="451961" y="761405"/>
-            <a:ext cx="5381744" cy="403622"/>
+            <a:off x="451945" y="761400"/>
+            <a:ext cx="7852800" cy="403500"/>
           </a:xfrm>
           <a:prstGeom prst="rect">
             <a:avLst/>
@@ -12122,8 +12122,8 @@
         </p:nvSpPr>
         <p:spPr>
           <a:xfrm>
-            <a:off x="248434" y="3405422"/>
-            <a:ext cx="2031900" cy="216900"/>
+            <a:off x="248422" y="3405425"/>
+            <a:ext cx="2691900" cy="216900"/>
           </a:xfrm>
           <a:prstGeom prst="rect">
             <a:avLst/>
@@ -15739,8 +15739,8 @@
         </p:nvSpPr>
         <p:spPr>
           <a:xfrm>
-            <a:off x="644962" y="4085868"/>
-            <a:ext cx="2764512" cy="345519"/>
+            <a:off x="644946" y="4085875"/>
+            <a:ext cx="3580200" cy="345600"/>
           </a:xfrm>
           <a:prstGeom prst="rect">
             <a:avLst/>
@@ -19173,8 +19173,8 @@
         </p:nvSpPr>
         <p:spPr>
           <a:xfrm>
-            <a:off x="1107352" y="1548083"/>
-            <a:ext cx="1417500" cy="177300"/>
+            <a:off x="-204531" y="1548075"/>
+            <a:ext cx="2578500" cy="177300"/>
           </a:xfrm>
           <a:prstGeom prst="rect">
             <a:avLst/>
@@ -20159,8 +20159,8 @@
         </p:nvSpPr>
         <p:spPr>
           <a:xfrm>
-            <a:off x="598435" y="5187473"/>
-            <a:ext cx="1417500" cy="177300"/>
+            <a:off x="598420" y="5187475"/>
+            <a:ext cx="2063100" cy="177300"/>
           </a:xfrm>
           <a:prstGeom prst="rect">
             <a:avLst/>
@@ -20674,7 +20674,7 @@
         </p:nvSpPr>
         <p:spPr>
           <a:xfrm>
-            <a:off x="6573548" y="4205707"/>
+            <a:off x="6573548" y="4223679"/>
             <a:ext cx="6780000" cy="729000"/>
           </a:xfrm>
           <a:prstGeom prst="roundRect">
